--- a/PractProject 4-1/Портянка 1/prezentatsia_1_praktika.pptx
+++ b/PractProject 4-1/Портянка 1/prezentatsia_1_praktika.pptx
@@ -9,8 +9,9 @@
     <p:sldId id="261" r:id="rId3"/>
     <p:sldId id="263" r:id="rId4"/>
     <p:sldId id="264" r:id="rId5"/>
-    <p:sldId id="265" r:id="rId6"/>
+    <p:sldId id="267" r:id="rId6"/>
     <p:sldId id="266" r:id="rId7"/>
+    <p:sldId id="268" r:id="rId8"/>
   </p:sldIdLst>
   <p:sldSz cx="12192000" cy="6858000"/>
   <p:notesSz cx="6858000" cy="9144000"/>
@@ -111,7 +112,7 @@
   </p:defaultTextStyle>
   <p:extLst>
     <p:ext uri="{EFAFB233-063F-42B5-8137-9DF3F51BA10A}">
-      <p15:sldGuideLst xmlns="" xmlns:p15="http://schemas.microsoft.com/office/powerpoint/2012/main">
+      <p15:sldGuideLst xmlns:p15="http://schemas.microsoft.com/office/powerpoint/2012/main">
         <p15:guide id="1" orient="horz" userDrawn="1">
           <p15:clr>
             <a:srgbClr val="A4A3A4"/>
@@ -310,7 +311,7 @@
             <a:fld id="{A6044420-3C55-4C6E-BFAC-F925AA05F022}" type="datetimeFigureOut">
               <a:rPr lang="ru-RU" smtClean="0"/>
               <a:pPr/>
-              <a:t>29.06.2019</a:t>
+              <a:t>18.12.2019</a:t>
             </a:fld>
             <a:endParaRPr lang="ru-RU"/>
           </a:p>
@@ -362,7 +363,7 @@
     </p:spTree>
     <p:extLst>
       <p:ext uri="{BB962C8B-B14F-4D97-AF65-F5344CB8AC3E}">
-        <p14:creationId xmlns="" xmlns:p14="http://schemas.microsoft.com/office/powerpoint/2010/main" val="2768050542"/>
+        <p14:creationId xmlns:p14="http://schemas.microsoft.com/office/powerpoint/2010/main" val="2768050542"/>
       </p:ext>
     </p:extLst>
   </p:cSld>
@@ -482,7 +483,7 @@
             <a:fld id="{A6044420-3C55-4C6E-BFAC-F925AA05F022}" type="datetimeFigureOut">
               <a:rPr lang="ru-RU" smtClean="0"/>
               <a:pPr/>
-              <a:t>29.06.2019</a:t>
+              <a:t>18.12.2019</a:t>
             </a:fld>
             <a:endParaRPr lang="ru-RU"/>
           </a:p>
@@ -534,7 +535,7 @@
     </p:spTree>
     <p:extLst>
       <p:ext uri="{BB962C8B-B14F-4D97-AF65-F5344CB8AC3E}">
-        <p14:creationId xmlns="" xmlns:p14="http://schemas.microsoft.com/office/powerpoint/2010/main" val="718079243"/>
+        <p14:creationId xmlns:p14="http://schemas.microsoft.com/office/powerpoint/2010/main" val="718079243"/>
       </p:ext>
     </p:extLst>
   </p:cSld>
@@ -664,7 +665,7 @@
             <a:fld id="{A6044420-3C55-4C6E-BFAC-F925AA05F022}" type="datetimeFigureOut">
               <a:rPr lang="ru-RU" smtClean="0"/>
               <a:pPr/>
-              <a:t>29.06.2019</a:t>
+              <a:t>18.12.2019</a:t>
             </a:fld>
             <a:endParaRPr lang="ru-RU"/>
           </a:p>
@@ -716,7 +717,7 @@
     </p:spTree>
     <p:extLst>
       <p:ext uri="{BB962C8B-B14F-4D97-AF65-F5344CB8AC3E}">
-        <p14:creationId xmlns="" xmlns:p14="http://schemas.microsoft.com/office/powerpoint/2010/main" val="1836344368"/>
+        <p14:creationId xmlns:p14="http://schemas.microsoft.com/office/powerpoint/2010/main" val="1836344368"/>
       </p:ext>
     </p:extLst>
   </p:cSld>
@@ -836,7 +837,7 @@
             <a:fld id="{A6044420-3C55-4C6E-BFAC-F925AA05F022}" type="datetimeFigureOut">
               <a:rPr lang="ru-RU" smtClean="0"/>
               <a:pPr/>
-              <a:t>29.06.2019</a:t>
+              <a:t>18.12.2019</a:t>
             </a:fld>
             <a:endParaRPr lang="ru-RU"/>
           </a:p>
@@ -888,7 +889,7 @@
     </p:spTree>
     <p:extLst>
       <p:ext uri="{BB962C8B-B14F-4D97-AF65-F5344CB8AC3E}">
-        <p14:creationId xmlns="" xmlns:p14="http://schemas.microsoft.com/office/powerpoint/2010/main" val="496720327"/>
+        <p14:creationId xmlns:p14="http://schemas.microsoft.com/office/powerpoint/2010/main" val="496720327"/>
       </p:ext>
     </p:extLst>
   </p:cSld>
@@ -1084,7 +1085,7 @@
             <a:fld id="{A6044420-3C55-4C6E-BFAC-F925AA05F022}" type="datetimeFigureOut">
               <a:rPr lang="ru-RU" smtClean="0"/>
               <a:pPr/>
-              <a:t>29.06.2019</a:t>
+              <a:t>18.12.2019</a:t>
             </a:fld>
             <a:endParaRPr lang="ru-RU"/>
           </a:p>
@@ -1136,7 +1137,7 @@
     </p:spTree>
     <p:extLst>
       <p:ext uri="{BB962C8B-B14F-4D97-AF65-F5344CB8AC3E}">
-        <p14:creationId xmlns="" xmlns:p14="http://schemas.microsoft.com/office/powerpoint/2010/main" val="313244686"/>
+        <p14:creationId xmlns:p14="http://schemas.microsoft.com/office/powerpoint/2010/main" val="313244686"/>
       </p:ext>
     </p:extLst>
   </p:cSld>
@@ -1374,7 +1375,7 @@
             <a:fld id="{A6044420-3C55-4C6E-BFAC-F925AA05F022}" type="datetimeFigureOut">
               <a:rPr lang="ru-RU" smtClean="0"/>
               <a:pPr/>
-              <a:t>29.06.2019</a:t>
+              <a:t>18.12.2019</a:t>
             </a:fld>
             <a:endParaRPr lang="ru-RU"/>
           </a:p>
@@ -1426,7 +1427,7 @@
     </p:spTree>
     <p:extLst>
       <p:ext uri="{BB962C8B-B14F-4D97-AF65-F5344CB8AC3E}">
-        <p14:creationId xmlns="" xmlns:p14="http://schemas.microsoft.com/office/powerpoint/2010/main" val="480280920"/>
+        <p14:creationId xmlns:p14="http://schemas.microsoft.com/office/powerpoint/2010/main" val="480280920"/>
       </p:ext>
     </p:extLst>
   </p:cSld>
@@ -1798,7 +1799,7 @@
             <a:fld id="{A6044420-3C55-4C6E-BFAC-F925AA05F022}" type="datetimeFigureOut">
               <a:rPr lang="ru-RU" smtClean="0"/>
               <a:pPr/>
-              <a:t>29.06.2019</a:t>
+              <a:t>18.12.2019</a:t>
             </a:fld>
             <a:endParaRPr lang="ru-RU"/>
           </a:p>
@@ -1850,7 +1851,7 @@
     </p:spTree>
     <p:extLst>
       <p:ext uri="{BB962C8B-B14F-4D97-AF65-F5344CB8AC3E}">
-        <p14:creationId xmlns="" xmlns:p14="http://schemas.microsoft.com/office/powerpoint/2010/main" val="3244548231"/>
+        <p14:creationId xmlns:p14="http://schemas.microsoft.com/office/powerpoint/2010/main" val="3244548231"/>
       </p:ext>
     </p:extLst>
   </p:cSld>
@@ -1918,7 +1919,7 @@
             <a:fld id="{A6044420-3C55-4C6E-BFAC-F925AA05F022}" type="datetimeFigureOut">
               <a:rPr lang="ru-RU" smtClean="0"/>
               <a:pPr/>
-              <a:t>29.06.2019</a:t>
+              <a:t>18.12.2019</a:t>
             </a:fld>
             <a:endParaRPr lang="ru-RU"/>
           </a:p>
@@ -1970,7 +1971,7 @@
     </p:spTree>
     <p:extLst>
       <p:ext uri="{BB962C8B-B14F-4D97-AF65-F5344CB8AC3E}">
-        <p14:creationId xmlns="" xmlns:p14="http://schemas.microsoft.com/office/powerpoint/2010/main" val="1756733912"/>
+        <p14:creationId xmlns:p14="http://schemas.microsoft.com/office/powerpoint/2010/main" val="1756733912"/>
       </p:ext>
     </p:extLst>
   </p:cSld>
@@ -2015,7 +2016,7 @@
             <a:fld id="{A6044420-3C55-4C6E-BFAC-F925AA05F022}" type="datetimeFigureOut">
               <a:rPr lang="ru-RU" smtClean="0"/>
               <a:pPr/>
-              <a:t>29.06.2019</a:t>
+              <a:t>18.12.2019</a:t>
             </a:fld>
             <a:endParaRPr lang="ru-RU"/>
           </a:p>
@@ -2067,7 +2068,7 @@
     </p:spTree>
     <p:extLst>
       <p:ext uri="{BB962C8B-B14F-4D97-AF65-F5344CB8AC3E}">
-        <p14:creationId xmlns="" xmlns:p14="http://schemas.microsoft.com/office/powerpoint/2010/main" val="1306623362"/>
+        <p14:creationId xmlns:p14="http://schemas.microsoft.com/office/powerpoint/2010/main" val="1306623362"/>
       </p:ext>
     </p:extLst>
   </p:cSld>
@@ -2294,7 +2295,7 @@
             <a:fld id="{A6044420-3C55-4C6E-BFAC-F925AA05F022}" type="datetimeFigureOut">
               <a:rPr lang="ru-RU" smtClean="0"/>
               <a:pPr/>
-              <a:t>29.06.2019</a:t>
+              <a:t>18.12.2019</a:t>
             </a:fld>
             <a:endParaRPr lang="ru-RU"/>
           </a:p>
@@ -2346,7 +2347,7 @@
     </p:spTree>
     <p:extLst>
       <p:ext uri="{BB962C8B-B14F-4D97-AF65-F5344CB8AC3E}">
-        <p14:creationId xmlns="" xmlns:p14="http://schemas.microsoft.com/office/powerpoint/2010/main" val="3463877234"/>
+        <p14:creationId xmlns:p14="http://schemas.microsoft.com/office/powerpoint/2010/main" val="3463877234"/>
       </p:ext>
     </p:extLst>
   </p:cSld>
@@ -2549,7 +2550,7 @@
             <a:fld id="{A6044420-3C55-4C6E-BFAC-F925AA05F022}" type="datetimeFigureOut">
               <a:rPr lang="ru-RU" smtClean="0"/>
               <a:pPr/>
-              <a:t>29.06.2019</a:t>
+              <a:t>18.12.2019</a:t>
             </a:fld>
             <a:endParaRPr lang="ru-RU"/>
           </a:p>
@@ -2601,7 +2602,7 @@
     </p:spTree>
     <p:extLst>
       <p:ext uri="{BB962C8B-B14F-4D97-AF65-F5344CB8AC3E}">
-        <p14:creationId xmlns="" xmlns:p14="http://schemas.microsoft.com/office/powerpoint/2010/main" val="2112992650"/>
+        <p14:creationId xmlns:p14="http://schemas.microsoft.com/office/powerpoint/2010/main" val="2112992650"/>
       </p:ext>
     </p:extLst>
   </p:cSld>
@@ -2764,7 +2765,7 @@
             <a:fld id="{A6044420-3C55-4C6E-BFAC-F925AA05F022}" type="datetimeFigureOut">
               <a:rPr lang="ru-RU" smtClean="0"/>
               <a:pPr/>
-              <a:t>29.06.2019</a:t>
+              <a:t>18.12.2019</a:t>
             </a:fld>
             <a:endParaRPr lang="ru-RU"/>
           </a:p>
@@ -2852,7 +2853,7 @@
     </p:spTree>
     <p:extLst>
       <p:ext uri="{BB962C8B-B14F-4D97-AF65-F5344CB8AC3E}">
-        <p14:creationId xmlns="" xmlns:p14="http://schemas.microsoft.com/office/powerpoint/2010/main" val="4179575191"/>
+        <p14:creationId xmlns:p14="http://schemas.microsoft.com/office/powerpoint/2010/main" val="4179575191"/>
       </p:ext>
     </p:extLst>
   </p:cSld>
@@ -3152,7 +3153,7 @@
           <a:blip r:embed="rId2">
             <a:extLst>
               <a:ext uri="{28A0092B-C50C-407E-A947-70E740481C1C}">
-                <a14:useLocalDpi xmlns="" xmlns:a14="http://schemas.microsoft.com/office/drawing/2010/main" val="0"/>
+                <a14:useLocalDpi xmlns:a14="http://schemas.microsoft.com/office/drawing/2010/main" val="0"/>
               </a:ext>
             </a:extLst>
           </a:blip>
@@ -3427,20 +3428,52 @@
           <a:lstStyle/>
           <a:p>
             <a:r>
+              <a:rPr lang="ru-RU" b="1" dirty="0" smtClean="0">
+                <a:solidFill>
+                  <a:schemeClr val="bg1"/>
+                </a:solidFill>
+              </a:rPr>
+              <a:t>Студента </a:t>
+            </a:r>
+            <a:r>
+              <a:rPr lang="en-US" b="1" dirty="0">
+                <a:solidFill>
+                  <a:schemeClr val="bg1"/>
+                </a:solidFill>
+              </a:rPr>
+              <a:t>4</a:t>
+            </a:r>
+            <a:r>
+              <a:rPr lang="ru-RU" b="1" dirty="0" smtClean="0">
+                <a:solidFill>
+                  <a:schemeClr val="bg1"/>
+                </a:solidFill>
+              </a:rPr>
+              <a:t> </a:t>
+            </a:r>
+            <a:r>
+              <a:rPr lang="ru-RU" b="1" dirty="0" smtClean="0">
+                <a:solidFill>
+                  <a:schemeClr val="bg1"/>
+                </a:solidFill>
+              </a:rPr>
+              <a:t>курса </a:t>
+            </a:r>
+            <a:r>
+              <a:rPr lang="en-US" b="1" smtClean="0">
+                <a:solidFill>
+                  <a:schemeClr val="bg1"/>
+                </a:solidFill>
+              </a:rPr>
+              <a:t>4</a:t>
+            </a:r>
+            <a:r>
               <a:rPr lang="ru-RU" b="1" smtClean="0">
                 <a:solidFill>
                   <a:schemeClr val="bg1"/>
                 </a:solidFill>
               </a:rPr>
-              <a:t>Студента </a:t>
-            </a:r>
-            <a:r>
-              <a:rPr lang="ru-RU" b="1" dirty="0" smtClean="0">
-                <a:solidFill>
-                  <a:schemeClr val="bg1"/>
-                </a:solidFill>
-              </a:rPr>
-              <a:t>3 курса 309 </a:t>
+              <a:t>09 </a:t>
             </a:r>
             <a:r>
               <a:rPr lang="ru-RU" b="1" dirty="0">
@@ -3485,7 +3518,7 @@
     </p:spTree>
     <p:extLst>
       <p:ext uri="{BB962C8B-B14F-4D97-AF65-F5344CB8AC3E}">
-        <p14:creationId xmlns="" xmlns:p14="http://schemas.microsoft.com/office/powerpoint/2010/main" val="1951088249"/>
+        <p14:creationId xmlns:p14="http://schemas.microsoft.com/office/powerpoint/2010/main" val="1951088249"/>
       </p:ext>
     </p:extLst>
   </p:cSld>
@@ -3531,7 +3564,7 @@
           <a:blip r:embed="rId2" cstate="print">
             <a:extLst>
               <a:ext uri="{28A0092B-C50C-407E-A947-70E740481C1C}">
-                <a14:useLocalDpi xmlns="" xmlns:a14="http://schemas.microsoft.com/office/drawing/2010/main" val="0"/>
+                <a14:useLocalDpi xmlns:a14="http://schemas.microsoft.com/office/drawing/2010/main" val="0"/>
               </a:ext>
             </a:extLst>
           </a:blip>
@@ -3559,8 +3592,8 @@
         </p:nvSpPr>
         <p:spPr bwMode="auto">
           <a:xfrm>
-            <a:off x="381000" y="712931"/>
-            <a:ext cx="11201400" cy="1446550"/>
+            <a:off x="381000" y="1457271"/>
+            <a:ext cx="3880808" cy="3662541"/>
           </a:xfrm>
           <a:prstGeom prst="rect">
             <a:avLst/>
@@ -3574,7 +3607,7 @@
           <a:effectLst/>
           <a:extLst>
             <a:ext uri="{91240B29-F687-4F45-9708-019B960494DF}">
-              <a14:hiddenLine xmlns="" xmlns:a14="http://schemas.microsoft.com/office/drawing/2010/main" w="9525">
+              <a14:hiddenLine xmlns:a14="http://schemas.microsoft.com/office/drawing/2010/main" w="9525">
                 <a:solidFill>
                   <a:schemeClr val="tx1"/>
                 </a:solidFill>
@@ -3584,7 +3617,7 @@
               </a14:hiddenLine>
             </a:ext>
             <a:ext uri="{AF507438-7753-43E0-B8FC-AC1667EBCBE1}">
-              <a14:hiddenEffects xmlns="" xmlns:a14="http://schemas.microsoft.com/office/drawing/2010/main">
+              <a14:hiddenEffects xmlns:a14="http://schemas.microsoft.com/office/drawing/2010/main">
                 <a:effectLst>
                   <a:outerShdw dist="35921" dir="2700000" algn="ctr" rotWithShape="0">
                     <a:schemeClr val="bg2"/>
@@ -3787,47 +3820,6 @@
           </a:p>
         </p:txBody>
       </p:sp>
-      <p:pic>
-        <p:nvPicPr>
-          <p:cNvPr id="1026" name="Picture 2" descr="https://pp.userapi.com/c851036/v851036898/15686b/Ri0GRYMSBeY.jpg"/>
-          <p:cNvPicPr>
-            <a:picLocks noChangeAspect="1" noChangeArrowheads="1"/>
-          </p:cNvPicPr>
-          <p:nvPr/>
-        </p:nvPicPr>
-        <p:blipFill>
-          <a:blip r:embed="rId3">
-            <a:extLst>
-              <a:ext uri="{28A0092B-C50C-407E-A947-70E740481C1C}">
-                <a14:useLocalDpi xmlns="" xmlns:a14="http://schemas.microsoft.com/office/drawing/2010/main" val="0"/>
-              </a:ext>
-            </a:extLst>
-          </a:blip>
-          <a:srcRect/>
-          <a:stretch>
-            <a:fillRect/>
-          </a:stretch>
-        </p:blipFill>
-        <p:spPr bwMode="auto">
-          <a:xfrm>
-            <a:off x="914400" y="1992044"/>
-            <a:ext cx="9572895" cy="2332892"/>
-          </a:xfrm>
-          <a:prstGeom prst="rect">
-            <a:avLst/>
-          </a:prstGeom>
-          <a:noFill/>
-          <a:extLst>
-            <a:ext uri="{909E8E84-426E-40DD-AFC4-6F175D3DCCD1}">
-              <a14:hiddenFill xmlns="" xmlns:a14="http://schemas.microsoft.com/office/drawing/2010/main">
-                <a:solidFill>
-                  <a:srgbClr val="FFFFFF"/>
-                </a:solidFill>
-              </a14:hiddenFill>
-            </a:ext>
-          </a:extLst>
-        </p:spPr>
-      </p:pic>
       <p:sp>
         <p:nvSpPr>
           <p:cNvPr id="2" name="Прямоугольник 1"/>
@@ -3836,7 +3828,7 @@
         </p:nvSpPr>
         <p:spPr>
           <a:xfrm>
-            <a:off x="4495800" y="4572000"/>
+            <a:off x="6744072" y="5448969"/>
             <a:ext cx="2705612" cy="461665"/>
           </a:xfrm>
           <a:prstGeom prst="rect">
@@ -3921,10 +3913,40 @@
           </a:p>
         </p:txBody>
       </p:sp>
+      <p:pic>
+        <p:nvPicPr>
+          <p:cNvPr id="5" name="Рисунок 4"/>
+          <p:cNvPicPr>
+            <a:picLocks noChangeAspect="1"/>
+          </p:cNvPicPr>
+          <p:nvPr/>
+        </p:nvPicPr>
+        <p:blipFill>
+          <a:blip r:embed="rId3">
+            <a:extLst>
+              <a:ext uri="{28A0092B-C50C-407E-A947-70E740481C1C}">
+                <a14:useLocalDpi xmlns:a14="http://schemas.microsoft.com/office/drawing/2010/main" val="0"/>
+              </a:ext>
+            </a:extLst>
+          </a:blip>
+          <a:stretch>
+            <a:fillRect/>
+          </a:stretch>
+        </p:blipFill>
+        <p:spPr>
+          <a:xfrm>
+            <a:off x="5519936" y="260648"/>
+            <a:ext cx="5476361" cy="5320191"/>
+          </a:xfrm>
+          <a:prstGeom prst="rect">
+            <a:avLst/>
+          </a:prstGeom>
+        </p:spPr>
+      </p:pic>
     </p:spTree>
     <p:extLst>
       <p:ext uri="{BB962C8B-B14F-4D97-AF65-F5344CB8AC3E}">
-        <p14:creationId xmlns="" xmlns:p14="http://schemas.microsoft.com/office/powerpoint/2010/main" val="2912815531"/>
+        <p14:creationId xmlns:p14="http://schemas.microsoft.com/office/powerpoint/2010/main" val="2912815531"/>
       </p:ext>
     </p:extLst>
   </p:cSld>
@@ -3973,7 +3995,7 @@
           <a:blip r:embed="rId2" cstate="print">
             <a:extLst>
               <a:ext uri="{28A0092B-C50C-407E-A947-70E740481C1C}">
-                <a14:useLocalDpi xmlns="" xmlns:a14="http://schemas.microsoft.com/office/drawing/2010/main" val="0"/>
+                <a14:useLocalDpi xmlns:a14="http://schemas.microsoft.com/office/drawing/2010/main" val="0"/>
               </a:ext>
             </a:extLst>
           </a:blip>
@@ -4014,14 +4036,14 @@
           <a:effectLst/>
           <a:extLst>
             <a:ext uri="{909E8E84-426E-40DD-AFC4-6F175D3DCCD1}">
-              <a14:hiddenFill xmlns="" xmlns:a14="http://schemas.microsoft.com/office/drawing/2010/main">
+              <a14:hiddenFill xmlns:a14="http://schemas.microsoft.com/office/drawing/2010/main">
                 <a:solidFill>
                   <a:schemeClr val="accent1"/>
                 </a:solidFill>
               </a14:hiddenFill>
             </a:ext>
             <a:ext uri="{91240B29-F687-4F45-9708-019B960494DF}">
-              <a14:hiddenLine xmlns="" xmlns:a14="http://schemas.microsoft.com/office/drawing/2010/main" w="9525">
+              <a14:hiddenLine xmlns:a14="http://schemas.microsoft.com/office/drawing/2010/main" w="9525">
                 <a:solidFill>
                   <a:schemeClr val="tx1"/>
                 </a:solidFill>
@@ -4031,7 +4053,7 @@
               </a14:hiddenLine>
             </a:ext>
             <a:ext uri="{AF507438-7753-43E0-B8FC-AC1667EBCBE1}">
-              <a14:hiddenEffects xmlns="" xmlns:a14="http://schemas.microsoft.com/office/drawing/2010/main">
+              <a14:hiddenEffects xmlns:a14="http://schemas.microsoft.com/office/drawing/2010/main">
                 <a:effectLst>
                   <a:outerShdw dist="35921" dir="2700000" algn="ctr" rotWithShape="0">
                     <a:schemeClr val="bg2"/>
@@ -4063,7 +4085,7 @@
         <p:spPr>
           <a:xfrm>
             <a:off x="276892" y="844119"/>
-            <a:ext cx="5181600" cy="5021055"/>
+            <a:ext cx="11579748" cy="646331"/>
           </a:xfrm>
           <a:prstGeom prst="rect">
             <a:avLst/>
@@ -4118,66 +4140,6 @@
               </a:solidFill>
             </a:endParaRPr>
           </a:p>
-          <a:p>
-            <a:pPr algn="just">
-              <a:lnSpc>
-                <a:spcPct val="150000"/>
-              </a:lnSpc>
-            </a:pPr>
-            <a:r>
-              <a:rPr lang="ru-RU" sz="2400" b="1" dirty="0">
-                <a:solidFill>
-                  <a:schemeClr val="tx2"/>
-                </a:solidFill>
-              </a:rPr>
-              <a:t>Окно включает в себя следующие области: </a:t>
-            </a:r>
-          </a:p>
-          <a:p>
-            <a:pPr algn="just">
-              <a:lnSpc>
-                <a:spcPct val="150000"/>
-              </a:lnSpc>
-            </a:pPr>
-            <a:r>
-              <a:rPr lang="ru-RU" sz="2400" b="1" dirty="0">
-                <a:solidFill>
-                  <a:schemeClr val="tx2"/>
-                </a:solidFill>
-              </a:rPr>
-              <a:t>– область с логотипом предприятия; </a:t>
-            </a:r>
-          </a:p>
-          <a:p>
-            <a:pPr algn="just">
-              <a:lnSpc>
-                <a:spcPct val="150000"/>
-              </a:lnSpc>
-            </a:pPr>
-            <a:r>
-              <a:rPr lang="ru-RU" sz="2400" b="1" dirty="0">
-                <a:solidFill>
-                  <a:schemeClr val="tx2"/>
-                </a:solidFill>
-              </a:rPr>
-              <a:t>− боковая панель навигации; </a:t>
-            </a:r>
-          </a:p>
-          <a:p>
-            <a:pPr algn="just">
-              <a:lnSpc>
-                <a:spcPct val="150000"/>
-              </a:lnSpc>
-            </a:pPr>
-            <a:r>
-              <a:rPr lang="ru-RU" sz="2400" b="1" dirty="0">
-                <a:solidFill>
-                  <a:schemeClr val="tx2"/>
-                </a:solidFill>
-              </a:rPr>
-              <a:t>− фрейм, отображающий основные страницы взаимодействия с пользователем.</a:t>
-            </a:r>
-          </a:p>
         </p:txBody>
       </p:sp>
       <p:sp>
@@ -4190,7 +4152,7 @@
         </p:nvSpPr>
         <p:spPr bwMode="auto">
           <a:xfrm>
-            <a:off x="7467600" y="4572000"/>
+            <a:off x="4655840" y="5589240"/>
             <a:ext cx="3653790" cy="338554"/>
           </a:xfrm>
           <a:prstGeom prst="rect">
@@ -4203,14 +4165,14 @@
           <a:effectLst/>
           <a:extLst>
             <a:ext uri="{909E8E84-426E-40DD-AFC4-6F175D3DCCD1}">
-              <a14:hiddenFill xmlns="" xmlns:a14="http://schemas.microsoft.com/office/drawing/2010/main">
+              <a14:hiddenFill xmlns:a14="http://schemas.microsoft.com/office/drawing/2010/main">
                 <a:solidFill>
                   <a:schemeClr val="accent1"/>
                 </a:solidFill>
               </a14:hiddenFill>
             </a:ext>
             <a:ext uri="{91240B29-F687-4F45-9708-019B960494DF}">
-              <a14:hiddenLine xmlns="" xmlns:a14="http://schemas.microsoft.com/office/drawing/2010/main" w="9525">
+              <a14:hiddenLine xmlns:a14="http://schemas.microsoft.com/office/drawing/2010/main" w="9525">
                 <a:solidFill>
                   <a:schemeClr val="tx1"/>
                 </a:solidFill>
@@ -4220,7 +4182,7 @@
               </a14:hiddenLine>
             </a:ext>
             <a:ext uri="{AF507438-7753-43E0-B8FC-AC1667EBCBE1}">
-              <a14:hiddenEffects xmlns="" xmlns:a14="http://schemas.microsoft.com/office/drawing/2010/main">
+              <a14:hiddenEffects xmlns:a14="http://schemas.microsoft.com/office/drawing/2010/main">
                 <a:effectLst>
                   <a:outerShdw dist="35921" dir="2700000" algn="ctr" rotWithShape="0">
                     <a:schemeClr val="bg2"/>
@@ -4392,12 +4354,53 @@
           </a:p>
         </p:txBody>
       </p:sp>
+      <p:sp>
+        <p:nvSpPr>
+          <p:cNvPr id="8" name="TextBox 7"/>
+          <p:cNvSpPr txBox="1"/>
+          <p:nvPr/>
+        </p:nvSpPr>
+        <p:spPr>
+          <a:xfrm>
+            <a:off x="5390" y="13122"/>
+            <a:ext cx="2814010" cy="830997"/>
+          </a:xfrm>
+          <a:prstGeom prst="rect">
+            <a:avLst/>
+          </a:prstGeom>
+          <a:noFill/>
+        </p:spPr>
+        <p:txBody>
+          <a:bodyPr wrap="square" rtlCol="0">
+            <a:spAutoFit/>
+          </a:bodyPr>
+          <a:lstStyle/>
+          <a:p>
+            <a:pPr algn="ctr">
+              <a:lnSpc>
+                <a:spcPct val="150000"/>
+              </a:lnSpc>
+            </a:pPr>
+            <a:r>
+              <a:rPr lang="en-US" sz="3200" b="1" dirty="0" err="1" smtClean="0">
+                <a:solidFill>
+                  <a:schemeClr val="tx2"/>
+                </a:solidFill>
+              </a:rPr>
+              <a:t>MainWindow</a:t>
+            </a:r>
+            <a:endParaRPr lang="ru-RU" sz="3200" b="1" dirty="0">
+              <a:solidFill>
+                <a:schemeClr val="tx2"/>
+              </a:solidFill>
+            </a:endParaRPr>
+          </a:p>
+        </p:txBody>
+      </p:sp>
       <p:pic>
         <p:nvPicPr>
-          <p:cNvPr id="6" name="Рисунок 5"/>
-          <p:cNvPicPr>
-            <a:picLocks noChangeAspect="1"/>
-          </p:cNvPicPr>
+          <p:cNvPr id="9" name="Рисунок 8"/>
+          <p:cNvPicPr/>
           <p:nvPr/>
         </p:nvPicPr>
         <p:blipFill>
@@ -4408,74 +4411,31 @@
         </p:blipFill>
         <p:spPr>
           <a:xfrm>
-            <a:off x="5729993" y="1073848"/>
-            <a:ext cx="6221791" cy="3352800"/>
+            <a:off x="2813423" y="1426345"/>
+            <a:ext cx="7066301" cy="4125592"/>
           </a:xfrm>
           <a:prstGeom prst="rect">
             <a:avLst/>
           </a:prstGeom>
         </p:spPr>
       </p:pic>
-      <p:sp>
-        <p:nvSpPr>
-          <p:cNvPr id="8" name="TextBox 7"/>
-          <p:cNvSpPr txBox="1"/>
-          <p:nvPr/>
-        </p:nvSpPr>
-        <p:spPr>
-          <a:xfrm>
-            <a:off x="5390" y="13122"/>
-            <a:ext cx="2814010" cy="830997"/>
-          </a:xfrm>
-          <a:prstGeom prst="rect">
-            <a:avLst/>
-          </a:prstGeom>
-          <a:noFill/>
-        </p:spPr>
-        <p:txBody>
-          <a:bodyPr wrap="square" rtlCol="0">
-            <a:spAutoFit/>
-          </a:bodyPr>
-          <a:lstStyle/>
-          <a:p>
-            <a:pPr algn="ctr">
-              <a:lnSpc>
-                <a:spcPct val="150000"/>
-              </a:lnSpc>
-            </a:pPr>
-            <a:r>
-              <a:rPr lang="en-US" sz="3200" b="1" dirty="0" err="1" smtClean="0">
-                <a:solidFill>
-                  <a:schemeClr val="tx2"/>
-                </a:solidFill>
-              </a:rPr>
-              <a:t>MainWindow</a:t>
-            </a:r>
-            <a:endParaRPr lang="ru-RU" sz="3200" b="1" dirty="0">
-              <a:solidFill>
-                <a:schemeClr val="tx2"/>
-              </a:solidFill>
-            </a:endParaRPr>
-          </a:p>
-        </p:txBody>
-      </p:sp>
     </p:spTree>
     <p:extLst>
       <p:ext uri="{BB962C8B-B14F-4D97-AF65-F5344CB8AC3E}">
-        <p14:creationId xmlns="" xmlns:p14="http://schemas.microsoft.com/office/powerpoint/2010/main" val="581750182"/>
+        <p14:creationId xmlns:p14="http://schemas.microsoft.com/office/powerpoint/2010/main" val="581750182"/>
       </p:ext>
     </p:extLst>
   </p:cSld>
   <p:clrMapOvr>
     <a:masterClrMapping/>
   </p:clrMapOvr>
-  <mc:AlternateContent xmlns:mc="http://schemas.openxmlformats.org/markup-compatibility/2006">
-    <mc:Choice xmlns="" xmlns:p14="http://schemas.microsoft.com/office/powerpoint/2010/main" Requires="p14">
+  <mc:AlternateContent xmlns:mc="http://schemas.openxmlformats.org/markup-compatibility/2006" xmlns:p14="http://schemas.microsoft.com/office/powerpoint/2010/main">
+    <mc:Choice Requires="p14">
       <p:transition spd="slow" p14:dur="800">
         <p:circle/>
       </p:transition>
     </mc:Choice>
-    <mc:Fallback>
+    <mc:Fallback xmlns="">
       <p:transition spd="slow">
         <p:circle/>
       </p:transition>
@@ -4520,7 +4480,7 @@
           <a:blip r:embed="rId2" cstate="print">
             <a:extLst>
               <a:ext uri="{28A0092B-C50C-407E-A947-70E740481C1C}">
-                <a14:useLocalDpi xmlns="" xmlns:a14="http://schemas.microsoft.com/office/drawing/2010/main" val="0"/>
+                <a14:useLocalDpi xmlns:a14="http://schemas.microsoft.com/office/drawing/2010/main" val="0"/>
               </a:ext>
             </a:extLst>
           </a:blip>
@@ -4561,14 +4521,14 @@
           <a:effectLst/>
           <a:extLst>
             <a:ext uri="{909E8E84-426E-40DD-AFC4-6F175D3DCCD1}">
-              <a14:hiddenFill xmlns="" xmlns:a14="http://schemas.microsoft.com/office/drawing/2010/main">
+              <a14:hiddenFill xmlns:a14="http://schemas.microsoft.com/office/drawing/2010/main">
                 <a:solidFill>
                   <a:schemeClr val="accent1"/>
                 </a:solidFill>
               </a14:hiddenFill>
             </a:ext>
             <a:ext uri="{91240B29-F687-4F45-9708-019B960494DF}">
-              <a14:hiddenLine xmlns="" xmlns:a14="http://schemas.microsoft.com/office/drawing/2010/main" w="9525">
+              <a14:hiddenLine xmlns:a14="http://schemas.microsoft.com/office/drawing/2010/main" w="9525">
                 <a:solidFill>
                   <a:schemeClr val="tx1"/>
                 </a:solidFill>
@@ -4578,7 +4538,7 @@
               </a14:hiddenLine>
             </a:ext>
             <a:ext uri="{AF507438-7753-43E0-B8FC-AC1667EBCBE1}">
-              <a14:hiddenEffects xmlns="" xmlns:a14="http://schemas.microsoft.com/office/drawing/2010/main">
+              <a14:hiddenEffects xmlns:a14="http://schemas.microsoft.com/office/drawing/2010/main">
                 <a:effectLst>
                   <a:outerShdw dist="35921" dir="2700000" algn="ctr" rotWithShape="0">
                     <a:schemeClr val="bg2"/>
@@ -4624,14 +4584,14 @@
           <a:effectLst/>
           <a:extLst>
             <a:ext uri="{909E8E84-426E-40DD-AFC4-6F175D3DCCD1}">
-              <a14:hiddenFill xmlns="" xmlns:a14="http://schemas.microsoft.com/office/drawing/2010/main">
+              <a14:hiddenFill xmlns:a14="http://schemas.microsoft.com/office/drawing/2010/main">
                 <a:solidFill>
                   <a:schemeClr val="accent1"/>
                 </a:solidFill>
               </a14:hiddenFill>
             </a:ext>
             <a:ext uri="{91240B29-F687-4F45-9708-019B960494DF}">
-              <a14:hiddenLine xmlns="" xmlns:a14="http://schemas.microsoft.com/office/drawing/2010/main" w="9525">
+              <a14:hiddenLine xmlns:a14="http://schemas.microsoft.com/office/drawing/2010/main" w="9525">
                 <a:solidFill>
                   <a:schemeClr val="tx1"/>
                 </a:solidFill>
@@ -4641,7 +4601,7 @@
               </a14:hiddenLine>
             </a:ext>
             <a:ext uri="{AF507438-7753-43E0-B8FC-AC1667EBCBE1}">
-              <a14:hiddenEffects xmlns="" xmlns:a14="http://schemas.microsoft.com/office/drawing/2010/main">
+              <a14:hiddenEffects xmlns:a14="http://schemas.microsoft.com/office/drawing/2010/main">
                 <a:effectLst>
                   <a:outerShdw dist="35921" dir="2700000" algn="ctr" rotWithShape="0">
                     <a:schemeClr val="bg2"/>
@@ -4672,8 +4632,8 @@
         </p:nvSpPr>
         <p:spPr>
           <a:xfrm>
-            <a:off x="708659" y="1058919"/>
-            <a:ext cx="10896600" cy="1143070"/>
+            <a:off x="708659" y="608140"/>
+            <a:ext cx="10896600" cy="589072"/>
           </a:xfrm>
           <a:prstGeom prst="rect">
             <a:avLst/>
@@ -4728,81 +4688,8 @@
               </a:solidFill>
             </a:endParaRPr>
           </a:p>
-          <a:p>
-            <a:pPr algn="ctr">
-              <a:lnSpc>
-                <a:spcPct val="150000"/>
-              </a:lnSpc>
-            </a:pPr>
-            <a:r>
-              <a:rPr lang="ru-RU" sz="2400" b="1" dirty="0" smtClean="0">
-                <a:solidFill>
-                  <a:schemeClr val="tx2"/>
-                </a:solidFill>
-              </a:rPr>
-              <a:t>Статистика </a:t>
-            </a:r>
-            <a:r>
-              <a:rPr lang="ru-RU" sz="2400" b="1" dirty="0">
-                <a:solidFill>
-                  <a:schemeClr val="tx2"/>
-                </a:solidFill>
-              </a:rPr>
-              <a:t>смены записывается в класс </a:t>
-            </a:r>
-            <a:r>
-              <a:rPr lang="en-US" sz="2400" b="1" dirty="0" err="1">
-                <a:solidFill>
-                  <a:schemeClr val="tx2"/>
-                </a:solidFill>
-              </a:rPr>
-              <a:t>ShiftStats</a:t>
-            </a:r>
-            <a:r>
-              <a:rPr lang="ru-RU" sz="2400" b="1" dirty="0" smtClean="0">
-                <a:solidFill>
-                  <a:schemeClr val="tx2"/>
-                </a:solidFill>
-              </a:rPr>
-              <a:t>.</a:t>
-            </a:r>
-            <a:endParaRPr lang="ru-RU" sz="2400" b="1" dirty="0">
-              <a:solidFill>
-                <a:schemeClr val="tx2"/>
-              </a:solidFill>
-            </a:endParaRPr>
-          </a:p>
-        </p:txBody>
-      </p:sp>
-      <p:pic>
-        <p:nvPicPr>
-          <p:cNvPr id="9" name="Рисунок 8"/>
-          <p:cNvPicPr/>
-          <p:nvPr/>
-        </p:nvPicPr>
-        <p:blipFill rotWithShape="1">
-          <a:blip r:embed="rId3" cstate="print"/>
-          <a:srcRect l="16808" t="14089" r="44747" b="41237"/>
-          <a:stretch/>
-        </p:blipFill>
-        <p:spPr bwMode="auto">
-          <a:xfrm>
-            <a:off x="3581400" y="2328367"/>
-            <a:ext cx="5029200" cy="3292157"/>
-          </a:xfrm>
-          <a:prstGeom prst="rect">
-            <a:avLst/>
-          </a:prstGeom>
-          <a:ln>
-            <a:noFill/>
-          </a:ln>
-          <a:extLst>
-            <a:ext uri="{53640926-AAD7-44D8-BBD7-CCE9431645EC}">
-              <a14:shadowObscured xmlns="" xmlns:a14="http://schemas.microsoft.com/office/drawing/2010/main"/>
-            </a:ext>
-          </a:extLst>
-        </p:spPr>
-      </p:pic>
+        </p:txBody>
+      </p:sp>
       <p:sp>
         <p:nvSpPr>
           <p:cNvPr id="3" name="Прямоугольник 2"/>
@@ -4957,23 +4844,45 @@
           </a:p>
         </p:txBody>
       </p:sp>
+      <p:pic>
+        <p:nvPicPr>
+          <p:cNvPr id="11" name="Рисунок 10"/>
+          <p:cNvPicPr/>
+          <p:nvPr/>
+        </p:nvPicPr>
+        <p:blipFill>
+          <a:blip r:embed="rId3"/>
+          <a:stretch>
+            <a:fillRect/>
+          </a:stretch>
+        </p:blipFill>
+        <p:spPr>
+          <a:xfrm>
+            <a:off x="2495600" y="1197213"/>
+            <a:ext cx="6911722" cy="4470868"/>
+          </a:xfrm>
+          <a:prstGeom prst="rect">
+            <a:avLst/>
+          </a:prstGeom>
+        </p:spPr>
+      </p:pic>
     </p:spTree>
     <p:extLst>
       <p:ext uri="{BB962C8B-B14F-4D97-AF65-F5344CB8AC3E}">
-        <p14:creationId xmlns="" xmlns:p14="http://schemas.microsoft.com/office/powerpoint/2010/main" val="1923085272"/>
+        <p14:creationId xmlns:p14="http://schemas.microsoft.com/office/powerpoint/2010/main" val="1923085272"/>
       </p:ext>
     </p:extLst>
   </p:cSld>
   <p:clrMapOvr>
     <a:masterClrMapping/>
   </p:clrMapOvr>
-  <mc:AlternateContent xmlns:mc="http://schemas.openxmlformats.org/markup-compatibility/2006">
-    <mc:Choice xmlns="" xmlns:p15="http://schemas.microsoft.com/office/powerpoint/2012/main" Requires="p15">
+  <mc:AlternateContent xmlns:mc="http://schemas.openxmlformats.org/markup-compatibility/2006" xmlns:p15="http://schemas.microsoft.com/office/powerpoint/2012/main">
+    <mc:Choice Requires="p15">
       <p:transition xmlns:p14="http://schemas.microsoft.com/office/powerpoint/2010/main" spd="slow" p14:dur="2000">
         <p15:prstTrans prst="prestige"/>
       </p:transition>
     </mc:Choice>
-    <mc:Fallback>
+    <mc:Fallback xmlns="">
       <p:transition spd="slow">
         <p:fade/>
       </p:transition>
@@ -5006,9 +4915,39 @@
           <a:chExt cx="0" cy="0"/>
         </a:xfrm>
       </p:grpSpPr>
-      <p:sp>
-        <p:nvSpPr>
-          <p:cNvPr id="7" name="Rectangle 7"/>
+      <p:pic>
+        <p:nvPicPr>
+          <p:cNvPr id="8" name="Рисунок 7"/>
+          <p:cNvPicPr>
+            <a:picLocks noChangeAspect="1"/>
+          </p:cNvPicPr>
+          <p:nvPr/>
+        </p:nvPicPr>
+        <p:blipFill>
+          <a:blip r:embed="rId2" cstate="print">
+            <a:extLst>
+              <a:ext uri="{28A0092B-C50C-407E-A947-70E740481C1C}">
+                <a14:useLocalDpi xmlns:a14="http://schemas.microsoft.com/office/drawing/2010/main" val="0"/>
+              </a:ext>
+            </a:extLst>
+          </a:blip>
+          <a:stretch>
+            <a:fillRect/>
+          </a:stretch>
+        </p:blipFill>
+        <p:spPr>
+          <a:xfrm>
+            <a:off x="5390" y="0"/>
+            <a:ext cx="12186610" cy="6861035"/>
+          </a:xfrm>
+          <a:prstGeom prst="rect">
+            <a:avLst/>
+          </a:prstGeom>
+        </p:spPr>
+      </p:pic>
+      <p:sp>
+        <p:nvSpPr>
+          <p:cNvPr id="2" name="Rectangle 3"/>
           <p:cNvSpPr>
             <a:spLocks noChangeArrowheads="1"/>
           </p:cNvSpPr>
@@ -5029,14 +4968,14 @@
           <a:effectLst/>
           <a:extLst>
             <a:ext uri="{909E8E84-426E-40DD-AFC4-6F175D3DCCD1}">
-              <a14:hiddenFill xmlns="" xmlns:a14="http://schemas.microsoft.com/office/drawing/2010/main">
+              <a14:hiddenFill xmlns:a14="http://schemas.microsoft.com/office/drawing/2010/main">
                 <a:solidFill>
                   <a:schemeClr val="accent1"/>
                 </a:solidFill>
               </a14:hiddenFill>
             </a:ext>
             <a:ext uri="{91240B29-F687-4F45-9708-019B960494DF}">
-              <a14:hiddenLine xmlns="" xmlns:a14="http://schemas.microsoft.com/office/drawing/2010/main" w="9525">
+              <a14:hiddenLine xmlns:a14="http://schemas.microsoft.com/office/drawing/2010/main" w="9525">
                 <a:solidFill>
                   <a:schemeClr val="tx1"/>
                 </a:solidFill>
@@ -5046,7 +4985,7 @@
               </a14:hiddenLine>
             </a:ext>
             <a:ext uri="{AF507438-7753-43E0-B8FC-AC1667EBCBE1}">
-              <a14:hiddenEffects xmlns="" xmlns:a14="http://schemas.microsoft.com/office/drawing/2010/main">
+              <a14:hiddenEffects xmlns:a14="http://schemas.microsoft.com/office/drawing/2010/main">
                 <a:effectLst>
                   <a:outerShdw dist="35921" dir="2700000" algn="ctr" rotWithShape="0">
                     <a:schemeClr val="bg2"/>
@@ -5071,14 +5010,77 @@
       </p:sp>
       <p:sp>
         <p:nvSpPr>
-          <p:cNvPr id="2" name="Прямоугольник 1"/>
+          <p:cNvPr id="5" name="Rectangle 7"/>
+          <p:cNvSpPr>
+            <a:spLocks noChangeArrowheads="1"/>
+          </p:cNvSpPr>
+          <p:nvPr/>
+        </p:nvSpPr>
+        <p:spPr bwMode="auto">
+          <a:xfrm>
+            <a:off x="0" y="0"/>
+            <a:ext cx="12192000" cy="457200"/>
+          </a:xfrm>
+          <a:prstGeom prst="rect">
+            <a:avLst/>
+          </a:prstGeom>
+          <a:noFill/>
+          <a:ln>
+            <a:noFill/>
+          </a:ln>
+          <a:effectLst/>
+          <a:extLst>
+            <a:ext uri="{909E8E84-426E-40DD-AFC4-6F175D3DCCD1}">
+              <a14:hiddenFill xmlns:a14="http://schemas.microsoft.com/office/drawing/2010/main">
+                <a:solidFill>
+                  <a:schemeClr val="accent1"/>
+                </a:solidFill>
+              </a14:hiddenFill>
+            </a:ext>
+            <a:ext uri="{91240B29-F687-4F45-9708-019B960494DF}">
+              <a14:hiddenLine xmlns:a14="http://schemas.microsoft.com/office/drawing/2010/main" w="9525">
+                <a:solidFill>
+                  <a:schemeClr val="tx1"/>
+                </a:solidFill>
+                <a:miter lim="800000"/>
+                <a:headEnd/>
+                <a:tailEnd/>
+              </a14:hiddenLine>
+            </a:ext>
+            <a:ext uri="{AF507438-7753-43E0-B8FC-AC1667EBCBE1}">
+              <a14:hiddenEffects xmlns:a14="http://schemas.microsoft.com/office/drawing/2010/main">
+                <a:effectLst>
+                  <a:outerShdw dist="35921" dir="2700000" algn="ctr" rotWithShape="0">
+                    <a:schemeClr val="bg2"/>
+                  </a:outerShdw>
+                </a:effectLst>
+              </a14:hiddenEffects>
+            </a:ext>
+          </a:extLst>
+        </p:spPr>
+        <p:txBody>
+          <a:bodyPr vert="horz" wrap="none" lIns="91440" tIns="45720" rIns="91440" bIns="45720" numCol="1" anchor="ctr" anchorCtr="0" compatLnSpc="1">
+            <a:prstTxWarp prst="textNoShape">
+              <a:avLst/>
+            </a:prstTxWarp>
+            <a:spAutoFit/>
+          </a:bodyPr>
+          <a:lstStyle/>
+          <a:p>
+            <a:endParaRPr lang="ru-RU"/>
+          </a:p>
+        </p:txBody>
+      </p:sp>
+      <p:sp>
+        <p:nvSpPr>
+          <p:cNvPr id="4" name="Прямоугольник 3"/>
           <p:cNvSpPr/>
           <p:nvPr/>
         </p:nvSpPr>
         <p:spPr>
           <a:xfrm>
-            <a:off x="6858000" y="1248889"/>
-            <a:ext cx="4828440" cy="4467057"/>
+            <a:off x="708659" y="528325"/>
+            <a:ext cx="10896600" cy="589072"/>
           </a:xfrm>
           <a:prstGeom prst="rect">
             <a:avLst/>
@@ -5090,13 +5092,13 @@
           </a:bodyPr>
           <a:lstStyle/>
           <a:p>
-            <a:pPr algn="just">
+            <a:pPr algn="ctr">
               <a:lnSpc>
                 <a:spcPct val="150000"/>
               </a:lnSpc>
             </a:pPr>
             <a:r>
-              <a:rPr lang="ru-RU" sz="2400" b="1" dirty="0" smtClean="0">
+              <a:rPr lang="ru-RU" sz="2400" b="1" dirty="0">
                 <a:solidFill>
                   <a:schemeClr val="tx2"/>
                 </a:solidFill>
@@ -5104,20 +5106,12 @@
               <a:t>Страница </a:t>
             </a:r>
             <a:r>
-              <a:rPr lang="en-US" sz="2400" b="1" dirty="0" err="1" smtClean="0">
-                <a:solidFill>
-                  <a:schemeClr val="tx2"/>
-                </a:solidFill>
-              </a:rPr>
-              <a:t>Sellings</a:t>
-            </a:r>
-            <a:r>
               <a:rPr lang="en-US" sz="2400" b="1" dirty="0" smtClean="0">
                 <a:solidFill>
                   <a:schemeClr val="tx2"/>
                 </a:solidFill>
               </a:rPr>
-              <a:t> </a:t>
+              <a:t>Sales </a:t>
             </a:r>
             <a:r>
               <a:rPr lang="ru-RU" sz="2400" b="1" dirty="0">
@@ -5125,53 +5119,26 @@
                   <a:schemeClr val="tx2"/>
                 </a:solidFill>
               </a:rPr>
-              <a:t>страница реализует функционал продажи товаров и разделяется на 4 области: верхний </a:t>
-            </a:r>
-            <a:r>
-              <a:rPr lang="ru-RU" sz="2400" b="1" dirty="0" err="1">
-                <a:solidFill>
-                  <a:schemeClr val="tx2"/>
-                </a:solidFill>
-              </a:rPr>
-              <a:t>сайдбар</a:t>
-            </a:r>
-            <a:r>
-              <a:rPr lang="ru-RU" sz="2400" b="1" dirty="0">
-                <a:solidFill>
-                  <a:schemeClr val="tx2"/>
-                </a:solidFill>
-              </a:rPr>
-              <a:t>, область поиска товаров БД, область добавления товаров, не зарегистрированных в БД, и обозреватель </a:t>
-            </a:r>
-            <a:r>
-              <a:rPr lang="ru-RU" sz="2400" b="1" dirty="0" smtClean="0">
-                <a:solidFill>
-                  <a:schemeClr val="tx2"/>
-                </a:solidFill>
-              </a:rPr>
-              <a:t>чека</a:t>
-            </a:r>
-            <a:r>
-              <a:rPr lang="ru-RU" sz="2400" b="1" dirty="0">
-                <a:solidFill>
-                  <a:schemeClr val="tx2"/>
-                </a:solidFill>
-              </a:rPr>
-              <a:t>.</a:t>
-            </a:r>
-          </a:p>
-        </p:txBody>
-      </p:sp>
-      <p:sp>
-        <p:nvSpPr>
-          <p:cNvPr id="11" name="Прямоугольник 10"/>
+              <a:t>страница реализует функционал продажи.</a:t>
+            </a:r>
+            <a:endParaRPr lang="ru-RU" sz="2400" b="1" dirty="0">
+              <a:solidFill>
+                <a:schemeClr val="tx2"/>
+              </a:solidFill>
+            </a:endParaRPr>
+          </a:p>
+        </p:txBody>
+      </p:sp>
+      <p:sp>
+        <p:nvSpPr>
+          <p:cNvPr id="3" name="Прямоугольник 2"/>
           <p:cNvSpPr/>
           <p:nvPr/>
         </p:nvSpPr>
         <p:spPr>
           <a:xfrm>
-            <a:off x="1524000" y="5423903"/>
-            <a:ext cx="2113079" cy="507831"/>
+            <a:off x="5169349" y="5659764"/>
+            <a:ext cx="1975221" cy="369332"/>
           </a:xfrm>
           <a:prstGeom prst="rect">
             <a:avLst/>
@@ -5183,74 +5150,96 @@
           </a:bodyPr>
           <a:lstStyle/>
           <a:p>
-            <a:pPr algn="just">
-              <a:lnSpc>
-                <a:spcPct val="150000"/>
-              </a:lnSpc>
+            <a:pPr lvl="0" algn="ctr" fontAlgn="base">
+              <a:spcBef>
+                <a:spcPct val="0"/>
+              </a:spcBef>
+              <a:spcAft>
+                <a:spcPct val="0"/>
+              </a:spcAft>
+              <a:tabLst>
+                <a:tab pos="630238" algn="l"/>
+              </a:tabLst>
             </a:pPr>
             <a:r>
-              <a:rPr lang="ru-RU" b="1" dirty="0" smtClean="0">
-                <a:solidFill>
-                  <a:schemeClr val="tx2"/>
-                </a:solidFill>
-              </a:rPr>
-              <a:t>Рисунок 4 – </a:t>
-            </a:r>
-            <a:r>
-              <a:rPr lang="en-US" b="1" dirty="0" err="1" smtClean="0">
-                <a:solidFill>
-                  <a:schemeClr val="tx2"/>
-                </a:solidFill>
-              </a:rPr>
-              <a:t>Sellings</a:t>
-            </a:r>
-            <a:endParaRPr lang="ru-RU" b="1" dirty="0">
+              <a:rPr lang="ru-RU" b="1" dirty="0">
+                <a:solidFill>
+                  <a:schemeClr val="tx2"/>
+                </a:solidFill>
+                <a:ea typeface="Calibri" pitchFamily="34" charset="0"/>
+                <a:cs typeface="Times New Roman" pitchFamily="18" charset="0"/>
+              </a:rPr>
+              <a:t>Рисунок</a:t>
+            </a:r>
+            <a:r>
+              <a:rPr lang="en-US" b="1" dirty="0">
+                <a:solidFill>
+                  <a:schemeClr val="tx2"/>
+                </a:solidFill>
+                <a:ea typeface="Calibri" pitchFamily="34" charset="0"/>
+                <a:cs typeface="Times New Roman" pitchFamily="18" charset="0"/>
+              </a:rPr>
+              <a:t> </a:t>
+            </a:r>
+            <a:r>
+              <a:rPr lang="en-US" b="1" dirty="0" smtClean="0">
+                <a:solidFill>
+                  <a:schemeClr val="tx2"/>
+                </a:solidFill>
+                <a:ea typeface="Calibri" pitchFamily="34" charset="0"/>
+                <a:cs typeface="Times New Roman" pitchFamily="18" charset="0"/>
+              </a:rPr>
+              <a:t>4 </a:t>
+            </a:r>
+            <a:r>
+              <a:rPr lang="ru-RU" b="1" dirty="0">
+                <a:solidFill>
+                  <a:schemeClr val="tx2"/>
+                </a:solidFill>
+                <a:ea typeface="Times New Roman" pitchFamily="18" charset="0"/>
+                <a:cs typeface="Times New Roman" pitchFamily="18" charset="0"/>
+              </a:rPr>
+              <a:t>—</a:t>
+            </a:r>
+            <a:r>
+              <a:rPr lang="en-US" b="1" dirty="0">
+                <a:solidFill>
+                  <a:schemeClr val="tx2"/>
+                </a:solidFill>
+                <a:ea typeface="Calibri" pitchFamily="34" charset="0"/>
+                <a:cs typeface="Times New Roman" pitchFamily="18" charset="0"/>
+              </a:rPr>
+              <a:t> </a:t>
+            </a:r>
+            <a:r>
+              <a:rPr lang="en-US" b="1" dirty="0" smtClean="0">
+                <a:solidFill>
+                  <a:schemeClr val="tx2"/>
+                </a:solidFill>
+                <a:ea typeface="Calibri" pitchFamily="34" charset="0"/>
+                <a:cs typeface="Times New Roman" pitchFamily="18" charset="0"/>
+              </a:rPr>
+              <a:t>Sales</a:t>
+            </a:r>
+            <a:endParaRPr lang="en-US" sz="2400" b="1" dirty="0">
               <a:solidFill>
                 <a:schemeClr val="tx2"/>
               </a:solidFill>
+              <a:cs typeface="Arial" pitchFamily="34" charset="0"/>
             </a:endParaRPr>
           </a:p>
         </p:txBody>
       </p:sp>
-      <p:pic>
-        <p:nvPicPr>
-          <p:cNvPr id="6" name="Рисунок 5"/>
-          <p:cNvPicPr/>
-          <p:nvPr/>
-        </p:nvPicPr>
-        <p:blipFill rotWithShape="1">
-          <a:blip r:embed="rId2" cstate="print"/>
-          <a:srcRect l="22089" t="13746" r="39558" b="40207"/>
-          <a:stretch/>
-        </p:blipFill>
-        <p:spPr bwMode="auto">
-          <a:xfrm>
-            <a:off x="228600" y="1447800"/>
-            <a:ext cx="6015990" cy="4012775"/>
-          </a:xfrm>
-          <a:prstGeom prst="rect">
-            <a:avLst/>
-          </a:prstGeom>
-          <a:ln>
-            <a:noFill/>
-          </a:ln>
-          <a:extLst>
-            <a:ext uri="{53640926-AAD7-44D8-BBD7-CCE9431645EC}">
-              <a14:shadowObscured xmlns="" xmlns:a14="http://schemas.microsoft.com/office/drawing/2010/main"/>
-            </a:ext>
-          </a:extLst>
-        </p:spPr>
-      </p:pic>
-      <p:sp>
-        <p:nvSpPr>
-          <p:cNvPr id="8" name="TextBox 7"/>
+      <p:sp>
+        <p:nvSpPr>
+          <p:cNvPr id="10" name="TextBox 9"/>
           <p:cNvSpPr txBox="1"/>
           <p:nvPr/>
         </p:nvSpPr>
         <p:spPr>
           <a:xfrm>
             <a:off x="5390" y="13122"/>
-            <a:ext cx="1899610" cy="830997"/>
+            <a:ext cx="1594810" cy="754694"/>
           </a:xfrm>
           <a:prstGeom prst="rect">
             <a:avLst/>
@@ -5269,12 +5258,12 @@
               </a:lnSpc>
             </a:pPr>
             <a:r>
-              <a:rPr lang="en-US" sz="3200" b="1" dirty="0" err="1" smtClean="0">
-                <a:solidFill>
-                  <a:schemeClr val="tx2"/>
-                </a:solidFill>
-              </a:rPr>
-              <a:t>Sellings</a:t>
+              <a:rPr lang="en-US" sz="3200" b="1" dirty="0" smtClean="0">
+                <a:solidFill>
+                  <a:schemeClr val="tx2"/>
+                </a:solidFill>
+              </a:rPr>
+              <a:t>Sales</a:t>
             </a:r>
             <a:endParaRPr lang="ru-RU" sz="3200" b="1" dirty="0">
               <a:solidFill>
@@ -5284,23 +5273,45 @@
           </a:p>
         </p:txBody>
       </p:sp>
+      <p:pic>
+        <p:nvPicPr>
+          <p:cNvPr id="9" name="Рисунок 8"/>
+          <p:cNvPicPr/>
+          <p:nvPr/>
+        </p:nvPicPr>
+        <p:blipFill>
+          <a:blip r:embed="rId3"/>
+          <a:stretch>
+            <a:fillRect/>
+          </a:stretch>
+        </p:blipFill>
+        <p:spPr>
+          <a:xfrm>
+            <a:off x="2624328" y="1117396"/>
+            <a:ext cx="7065262" cy="4593199"/>
+          </a:xfrm>
+          <a:prstGeom prst="rect">
+            <a:avLst/>
+          </a:prstGeom>
+        </p:spPr>
+      </p:pic>
     </p:spTree>
     <p:extLst>
       <p:ext uri="{BB962C8B-B14F-4D97-AF65-F5344CB8AC3E}">
-        <p14:creationId xmlns="" xmlns:p14="http://schemas.microsoft.com/office/powerpoint/2010/main" val="1300597242"/>
+        <p14:creationId xmlns:p14="http://schemas.microsoft.com/office/powerpoint/2010/main" val="2007901091"/>
       </p:ext>
     </p:extLst>
   </p:cSld>
   <p:clrMapOvr>
     <a:masterClrMapping/>
   </p:clrMapOvr>
-  <mc:AlternateContent xmlns:mc="http://schemas.openxmlformats.org/markup-compatibility/2006">
-    <mc:Choice xmlns="" xmlns:p15="http://schemas.microsoft.com/office/powerpoint/2012/main" Requires="p15">
+  <mc:AlternateContent xmlns:mc="http://schemas.openxmlformats.org/markup-compatibility/2006" xmlns:p15="http://schemas.microsoft.com/office/powerpoint/2012/main">
+    <mc:Choice Requires="p15">
       <p:transition xmlns:p14="http://schemas.microsoft.com/office/powerpoint/2010/main" spd="slow" p14:dur="2000">
-        <p15:prstTrans prst="wind"/>
+        <p15:prstTrans prst="prestige"/>
       </p:transition>
     </mc:Choice>
-    <mc:Fallback>
+    <mc:Fallback xmlns="">
       <p:transition spd="slow">
         <p:fade/>
       </p:transition>
@@ -5345,7 +5356,7 @@
           <a:blip r:embed="rId2" cstate="print">
             <a:extLst>
               <a:ext uri="{28A0092B-C50C-407E-A947-70E740481C1C}">
-                <a14:useLocalDpi xmlns="" xmlns:a14="http://schemas.microsoft.com/office/drawing/2010/main" val="0"/>
+                <a14:useLocalDpi xmlns:a14="http://schemas.microsoft.com/office/drawing/2010/main" val="0"/>
               </a:ext>
             </a:extLst>
           </a:blip>
@@ -5386,14 +5397,14 @@
           <a:effectLst/>
           <a:extLst>
             <a:ext uri="{909E8E84-426E-40DD-AFC4-6F175D3DCCD1}">
-              <a14:hiddenFill xmlns="" xmlns:a14="http://schemas.microsoft.com/office/drawing/2010/main">
+              <a14:hiddenFill xmlns:a14="http://schemas.microsoft.com/office/drawing/2010/main">
                 <a:solidFill>
                   <a:schemeClr val="accent1"/>
                 </a:solidFill>
               </a14:hiddenFill>
             </a:ext>
             <a:ext uri="{91240B29-F687-4F45-9708-019B960494DF}">
-              <a14:hiddenLine xmlns="" xmlns:a14="http://schemas.microsoft.com/office/drawing/2010/main" w="9525">
+              <a14:hiddenLine xmlns:a14="http://schemas.microsoft.com/office/drawing/2010/main" w="9525">
                 <a:solidFill>
                   <a:schemeClr val="tx1"/>
                 </a:solidFill>
@@ -5403,7 +5414,7 @@
               </a14:hiddenLine>
             </a:ext>
             <a:ext uri="{AF507438-7753-43E0-B8FC-AC1667EBCBE1}">
-              <a14:hiddenEffects xmlns="" xmlns:a14="http://schemas.microsoft.com/office/drawing/2010/main">
+              <a14:hiddenEffects xmlns:a14="http://schemas.microsoft.com/office/drawing/2010/main">
                 <a:effectLst>
                   <a:outerShdw dist="35921" dir="2700000" algn="ctr" rotWithShape="0">
                     <a:schemeClr val="bg2"/>
@@ -5449,14 +5460,14 @@
           <a:effectLst/>
           <a:extLst>
             <a:ext uri="{909E8E84-426E-40DD-AFC4-6F175D3DCCD1}">
-              <a14:hiddenFill xmlns="" xmlns:a14="http://schemas.microsoft.com/office/drawing/2010/main">
+              <a14:hiddenFill xmlns:a14="http://schemas.microsoft.com/office/drawing/2010/main">
                 <a:solidFill>
                   <a:schemeClr val="accent1"/>
                 </a:solidFill>
               </a14:hiddenFill>
             </a:ext>
             <a:ext uri="{91240B29-F687-4F45-9708-019B960494DF}">
-              <a14:hiddenLine xmlns="" xmlns:a14="http://schemas.microsoft.com/office/drawing/2010/main" w="9525">
+              <a14:hiddenLine xmlns:a14="http://schemas.microsoft.com/office/drawing/2010/main" w="9525">
                 <a:solidFill>
                   <a:schemeClr val="tx1"/>
                 </a:solidFill>
@@ -5466,7 +5477,7 @@
               </a14:hiddenLine>
             </a:ext>
             <a:ext uri="{AF507438-7753-43E0-B8FC-AC1667EBCBE1}">
-              <a14:hiddenEffects xmlns="" xmlns:a14="http://schemas.microsoft.com/office/drawing/2010/main">
+              <a14:hiddenEffects xmlns:a14="http://schemas.microsoft.com/office/drawing/2010/main">
                 <a:effectLst>
                   <a:outerShdw dist="35921" dir="2700000" algn="ctr" rotWithShape="0">
                     <a:schemeClr val="bg2"/>
@@ -5498,7 +5509,7 @@
         <p:spPr>
           <a:xfrm>
             <a:off x="304800" y="845194"/>
-            <a:ext cx="5105400" cy="5170646"/>
+            <a:ext cx="5105400" cy="4708981"/>
           </a:xfrm>
           <a:prstGeom prst="rect">
             <a:avLst/>
@@ -5548,12 +5559,12 @@
               <a:t>не отличается от разметки страницы </a:t>
             </a:r>
             <a:r>
-              <a:rPr lang="en-US" sz="2000" b="1" dirty="0" err="1">
-                <a:solidFill>
-                  <a:schemeClr val="tx2"/>
-                </a:solidFill>
-              </a:rPr>
-              <a:t>Sellings</a:t>
+              <a:rPr lang="en-US" sz="2000" b="1" dirty="0" smtClean="0">
+                <a:solidFill>
+                  <a:schemeClr val="tx2"/>
+                </a:solidFill>
+              </a:rPr>
+              <a:t>Sales</a:t>
             </a:r>
             <a:r>
               <a:rPr lang="ru-RU" sz="2000" b="1" dirty="0">
@@ -5564,20 +5575,28 @@
               <a:t>. Функционал данной страницы отличается от функционала страницы </a:t>
             </a:r>
             <a:r>
-              <a:rPr lang="en-US" sz="2000" b="1" dirty="0" err="1">
-                <a:solidFill>
-                  <a:schemeClr val="tx2"/>
-                </a:solidFill>
-              </a:rPr>
-              <a:t>Sellings</a:t>
-            </a:r>
-            <a:r>
-              <a:rPr lang="en-US" sz="2000" b="1" dirty="0">
-                <a:solidFill>
-                  <a:schemeClr val="tx2"/>
-                </a:solidFill>
-              </a:rPr>
-              <a:t> </a:t>
+              <a:rPr lang="en-US" sz="2000" b="1" dirty="0" smtClean="0">
+                <a:solidFill>
+                  <a:schemeClr val="tx2"/>
+                </a:solidFill>
+              </a:rPr>
+              <a:t>S</a:t>
+            </a:r>
+            <a:r>
+              <a:rPr lang="en-US" sz="2000" b="1" dirty="0" smtClean="0">
+                <a:solidFill>
+                  <a:schemeClr val="tx2"/>
+                </a:solidFill>
+              </a:rPr>
+              <a:t>ale</a:t>
+            </a:r>
+            <a:r>
+              <a:rPr lang="en-US" sz="2000" b="1" dirty="0" smtClean="0">
+                <a:solidFill>
+                  <a:schemeClr val="tx2"/>
+                </a:solidFill>
+              </a:rPr>
+              <a:t>s </a:t>
             </a:r>
             <a:r>
               <a:rPr lang="ru-RU" sz="2000" b="1" dirty="0">
@@ -5624,21 +5643,26 @@
               <a:t>нажатии на кнопку подтверждения операции не происходит вызов диалогового окна </a:t>
             </a:r>
             <a:r>
-              <a:rPr lang="en-US" sz="2000" b="1" dirty="0" err="1">
-                <a:solidFill>
-                  <a:schemeClr val="tx2"/>
-                </a:solidFill>
-              </a:rPr>
-              <a:t>CustomerCash</a:t>
-            </a:r>
-            <a:r>
               <a:rPr lang="ru-RU" sz="2000" b="1" dirty="0" smtClean="0">
                 <a:solidFill>
                   <a:schemeClr val="tx2"/>
                 </a:solidFill>
               </a:rPr>
+              <a:t>для вычисления сдачи</a:t>
+            </a:r>
+            <a:r>
+              <a:rPr lang="ru-RU" sz="2000" b="1" dirty="0" smtClean="0">
+                <a:solidFill>
+                  <a:schemeClr val="tx2"/>
+                </a:solidFill>
+              </a:rPr>
               <a:t>;</a:t>
             </a:r>
+            <a:endParaRPr lang="ru-RU" sz="2000" b="1" dirty="0" smtClean="0">
+              <a:solidFill>
+                <a:schemeClr val="tx2"/>
+              </a:solidFill>
+            </a:endParaRPr>
           </a:p>
           <a:p>
             <a:pPr lvl="0" algn="just">
@@ -5668,7 +5692,15 @@
                   <a:schemeClr val="tx2"/>
                 </a:solidFill>
               </a:rPr>
-              <a:t>происходит вызов сообщения о результате операции;</a:t>
+              <a:t>происходит вызов сообщения о результате </a:t>
+            </a:r>
+            <a:r>
+              <a:rPr lang="ru-RU" sz="2000" b="1" dirty="0" smtClean="0">
+                <a:solidFill>
+                  <a:schemeClr val="tx2"/>
+                </a:solidFill>
+              </a:rPr>
+              <a:t>операции.</a:t>
             </a:r>
             <a:endParaRPr lang="ru-RU" sz="2000" b="1" i="1" dirty="0">
               <a:solidFill>
@@ -5676,58 +5708,6 @@
               </a:solidFill>
             </a:endParaRPr>
           </a:p>
-          <a:p>
-            <a:pPr lvl="0" algn="just">
-              <a:lnSpc>
-                <a:spcPct val="150000"/>
-              </a:lnSpc>
-            </a:pPr>
-            <a:r>
-              <a:rPr lang="ru-RU" sz="2000" b="1" dirty="0">
-                <a:solidFill>
-                  <a:schemeClr val="tx2"/>
-                </a:solidFill>
-              </a:rPr>
-              <a:t>– </a:t>
-            </a:r>
-            <a:r>
-              <a:rPr lang="en-US" sz="2000" b="1" dirty="0" err="1" smtClean="0">
-                <a:solidFill>
-                  <a:schemeClr val="tx2"/>
-                </a:solidFill>
-              </a:rPr>
-              <a:t>sql</a:t>
-            </a:r>
-            <a:r>
-              <a:rPr lang="ru-RU" sz="2000" b="1" dirty="0">
-                <a:solidFill>
-                  <a:schemeClr val="tx2"/>
-                </a:solidFill>
-              </a:rPr>
-              <a:t>-запрос направлен на таблицу </a:t>
-            </a:r>
-            <a:r>
-              <a:rPr lang="en-US" sz="2000" b="1" dirty="0">
-                <a:solidFill>
-                  <a:schemeClr val="tx2"/>
-                </a:solidFill>
-              </a:rPr>
-              <a:t>returns</a:t>
-            </a:r>
-            <a:r>
-              <a:rPr lang="ru-RU" sz="2000" b="1" dirty="0">
-                <a:solidFill>
-                  <a:schemeClr val="tx2"/>
-                </a:solidFill>
-              </a:rPr>
-              <a:t>.</a:t>
-            </a:r>
-            <a:endParaRPr lang="ru-RU" sz="2000" b="1" i="1" dirty="0">
-              <a:solidFill>
-                <a:schemeClr val="tx2"/>
-              </a:solidFill>
-            </a:endParaRPr>
-          </a:p>
         </p:txBody>
       </p:sp>
       <p:sp>
@@ -5738,8 +5718,8 @@
         </p:nvSpPr>
         <p:spPr>
           <a:xfrm>
-            <a:off x="7805328" y="4645879"/>
-            <a:ext cx="2045560" cy="507831"/>
+            <a:off x="7737349" y="4941168"/>
+            <a:ext cx="2136932" cy="507831"/>
           </a:xfrm>
           <a:prstGeom prst="rect">
             <a:avLst/>
@@ -5770,7 +5750,7 @@
                   <a:schemeClr val="tx2"/>
                 </a:solidFill>
               </a:rPr>
-              <a:t>Return</a:t>
+              <a:t>Returns</a:t>
             </a:r>
             <a:endParaRPr lang="ru-RU" b="1" dirty="0">
               <a:solidFill>
@@ -5780,35 +5760,6 @@
           </a:p>
         </p:txBody>
       </p:sp>
-      <p:pic>
-        <p:nvPicPr>
-          <p:cNvPr id="10" name="Рисунок 9"/>
-          <p:cNvPicPr/>
-          <p:nvPr/>
-        </p:nvPicPr>
-        <p:blipFill rotWithShape="1">
-          <a:blip r:embed="rId3" cstate="print"/>
-          <a:srcRect l="18546" t="13402" r="42429" b="40475"/>
-          <a:stretch/>
-        </p:blipFill>
-        <p:spPr bwMode="auto">
-          <a:xfrm>
-            <a:off x="5943600" y="1142196"/>
-            <a:ext cx="6019800" cy="3503683"/>
-          </a:xfrm>
-          <a:prstGeom prst="rect">
-            <a:avLst/>
-          </a:prstGeom>
-          <a:ln>
-            <a:noFill/>
-          </a:ln>
-          <a:extLst>
-            <a:ext uri="{53640926-AAD7-44D8-BBD7-CCE9431645EC}">
-              <a14:shadowObscured xmlns="" xmlns:a14="http://schemas.microsoft.com/office/drawing/2010/main"/>
-            </a:ext>
-          </a:extLst>
-        </p:spPr>
-      </p:pic>
       <p:sp>
         <p:nvSpPr>
           <p:cNvPr id="9" name="TextBox 8"/>
@@ -5842,7 +5793,7 @@
                   <a:schemeClr val="tx2"/>
                 </a:solidFill>
               </a:rPr>
-              <a:t>Return</a:t>
+              <a:t>Returns</a:t>
             </a:r>
             <a:endParaRPr lang="ru-RU" sz="3200" b="1" dirty="0">
               <a:solidFill>
@@ -5852,23 +5803,455 @@
           </a:p>
         </p:txBody>
       </p:sp>
+      <p:pic>
+        <p:nvPicPr>
+          <p:cNvPr id="11" name="Рисунок 10"/>
+          <p:cNvPicPr/>
+          <p:nvPr/>
+        </p:nvPicPr>
+        <p:blipFill>
+          <a:blip r:embed="rId3"/>
+          <a:stretch>
+            <a:fillRect/>
+          </a:stretch>
+        </p:blipFill>
+        <p:spPr>
+          <a:xfrm>
+            <a:off x="5742768" y="457200"/>
+            <a:ext cx="6126093" cy="4536504"/>
+          </a:xfrm>
+          <a:prstGeom prst="rect">
+            <a:avLst/>
+          </a:prstGeom>
+        </p:spPr>
+      </p:pic>
     </p:spTree>
     <p:extLst>
       <p:ext uri="{BB962C8B-B14F-4D97-AF65-F5344CB8AC3E}">
-        <p14:creationId xmlns="" xmlns:p14="http://schemas.microsoft.com/office/powerpoint/2010/main" val="4103070933"/>
+        <p14:creationId xmlns:p14="http://schemas.microsoft.com/office/powerpoint/2010/main" val="4103070933"/>
       </p:ext>
     </p:extLst>
   </p:cSld>
   <p:clrMapOvr>
     <a:masterClrMapping/>
   </p:clrMapOvr>
-  <mc:AlternateContent xmlns:mc="http://schemas.openxmlformats.org/markup-compatibility/2006">
-    <mc:Choice xmlns="" xmlns:p14="http://schemas.microsoft.com/office/powerpoint/2010/main" Requires="p14">
+  <mc:AlternateContent xmlns:mc="http://schemas.openxmlformats.org/markup-compatibility/2006" xmlns:p14="http://schemas.microsoft.com/office/powerpoint/2010/main">
+    <mc:Choice Requires="p14">
       <p:transition spd="slow" p14:dur="1400">
         <p14:doors dir="vert"/>
       </p:transition>
     </mc:Choice>
-    <mc:Fallback>
+    <mc:Fallback xmlns="">
+      <p:transition spd="slow">
+        <p:fade/>
+      </p:transition>
+    </mc:Fallback>
+  </mc:AlternateContent>
+  <p:timing>
+    <p:tnLst>
+      <p:par>
+        <p:cTn id="1" dur="indefinite" restart="never" nodeType="tmRoot"/>
+      </p:par>
+    </p:tnLst>
+  </p:timing>
+</p:sld>
+</file>
+
+<file path=ppt/slides/slide7.xml><?xml version="1.0" encoding="utf-8"?>
+<p:sld xmlns:a="http://schemas.openxmlformats.org/drawingml/2006/main" xmlns:r="http://schemas.openxmlformats.org/officeDocument/2006/relationships" xmlns:p="http://schemas.openxmlformats.org/presentationml/2006/main">
+  <p:cSld>
+    <p:spTree>
+      <p:nvGrpSpPr>
+        <p:cNvPr id="1" name=""/>
+        <p:cNvGrpSpPr/>
+        <p:nvPr/>
+      </p:nvGrpSpPr>
+      <p:grpSpPr>
+        <a:xfrm>
+          <a:off x="0" y="0"/>
+          <a:ext cx="0" cy="0"/>
+          <a:chOff x="0" y="0"/>
+          <a:chExt cx="0" cy="0"/>
+        </a:xfrm>
+      </p:grpSpPr>
+      <p:pic>
+        <p:nvPicPr>
+          <p:cNvPr id="8" name="Рисунок 7"/>
+          <p:cNvPicPr>
+            <a:picLocks noChangeAspect="1"/>
+          </p:cNvPicPr>
+          <p:nvPr/>
+        </p:nvPicPr>
+        <p:blipFill>
+          <a:blip r:embed="rId2" cstate="print">
+            <a:extLst>
+              <a:ext uri="{28A0092B-C50C-407E-A947-70E740481C1C}">
+                <a14:useLocalDpi xmlns:a14="http://schemas.microsoft.com/office/drawing/2010/main" val="0"/>
+              </a:ext>
+            </a:extLst>
+          </a:blip>
+          <a:stretch>
+            <a:fillRect/>
+          </a:stretch>
+        </p:blipFill>
+        <p:spPr>
+          <a:xfrm>
+            <a:off x="5390" y="0"/>
+            <a:ext cx="12186610" cy="6861035"/>
+          </a:xfrm>
+          <a:prstGeom prst="rect">
+            <a:avLst/>
+          </a:prstGeom>
+        </p:spPr>
+      </p:pic>
+      <p:sp>
+        <p:nvSpPr>
+          <p:cNvPr id="2" name="Rectangle 3"/>
+          <p:cNvSpPr>
+            <a:spLocks noChangeArrowheads="1"/>
+          </p:cNvSpPr>
+          <p:nvPr/>
+        </p:nvSpPr>
+        <p:spPr bwMode="auto">
+          <a:xfrm>
+            <a:off x="0" y="0"/>
+            <a:ext cx="12192000" cy="457200"/>
+          </a:xfrm>
+          <a:prstGeom prst="rect">
+            <a:avLst/>
+          </a:prstGeom>
+          <a:noFill/>
+          <a:ln>
+            <a:noFill/>
+          </a:ln>
+          <a:effectLst/>
+          <a:extLst>
+            <a:ext uri="{909E8E84-426E-40DD-AFC4-6F175D3DCCD1}">
+              <a14:hiddenFill xmlns:a14="http://schemas.microsoft.com/office/drawing/2010/main">
+                <a:solidFill>
+                  <a:schemeClr val="accent1"/>
+                </a:solidFill>
+              </a14:hiddenFill>
+            </a:ext>
+            <a:ext uri="{91240B29-F687-4F45-9708-019B960494DF}">
+              <a14:hiddenLine xmlns:a14="http://schemas.microsoft.com/office/drawing/2010/main" w="9525">
+                <a:solidFill>
+                  <a:schemeClr val="tx1"/>
+                </a:solidFill>
+                <a:miter lim="800000"/>
+                <a:headEnd/>
+                <a:tailEnd/>
+              </a14:hiddenLine>
+            </a:ext>
+            <a:ext uri="{AF507438-7753-43E0-B8FC-AC1667EBCBE1}">
+              <a14:hiddenEffects xmlns:a14="http://schemas.microsoft.com/office/drawing/2010/main">
+                <a:effectLst>
+                  <a:outerShdw dist="35921" dir="2700000" algn="ctr" rotWithShape="0">
+                    <a:schemeClr val="bg2"/>
+                  </a:outerShdw>
+                </a:effectLst>
+              </a14:hiddenEffects>
+            </a:ext>
+          </a:extLst>
+        </p:spPr>
+        <p:txBody>
+          <a:bodyPr vert="horz" wrap="none" lIns="91440" tIns="45720" rIns="91440" bIns="45720" numCol="1" anchor="ctr" anchorCtr="0" compatLnSpc="1">
+            <a:prstTxWarp prst="textNoShape">
+              <a:avLst/>
+            </a:prstTxWarp>
+            <a:spAutoFit/>
+          </a:bodyPr>
+          <a:lstStyle/>
+          <a:p>
+            <a:endParaRPr lang="ru-RU"/>
+          </a:p>
+        </p:txBody>
+      </p:sp>
+      <p:sp>
+        <p:nvSpPr>
+          <p:cNvPr id="5" name="Rectangle 7"/>
+          <p:cNvSpPr>
+            <a:spLocks noChangeArrowheads="1"/>
+          </p:cNvSpPr>
+          <p:nvPr/>
+        </p:nvSpPr>
+        <p:spPr bwMode="auto">
+          <a:xfrm>
+            <a:off x="0" y="0"/>
+            <a:ext cx="12192000" cy="457200"/>
+          </a:xfrm>
+          <a:prstGeom prst="rect">
+            <a:avLst/>
+          </a:prstGeom>
+          <a:noFill/>
+          <a:ln>
+            <a:noFill/>
+          </a:ln>
+          <a:effectLst/>
+          <a:extLst>
+            <a:ext uri="{909E8E84-426E-40DD-AFC4-6F175D3DCCD1}">
+              <a14:hiddenFill xmlns:a14="http://schemas.microsoft.com/office/drawing/2010/main">
+                <a:solidFill>
+                  <a:schemeClr val="accent1"/>
+                </a:solidFill>
+              </a14:hiddenFill>
+            </a:ext>
+            <a:ext uri="{91240B29-F687-4F45-9708-019B960494DF}">
+              <a14:hiddenLine xmlns:a14="http://schemas.microsoft.com/office/drawing/2010/main" w="9525">
+                <a:solidFill>
+                  <a:schemeClr val="tx1"/>
+                </a:solidFill>
+                <a:miter lim="800000"/>
+                <a:headEnd/>
+                <a:tailEnd/>
+              </a14:hiddenLine>
+            </a:ext>
+            <a:ext uri="{AF507438-7753-43E0-B8FC-AC1667EBCBE1}">
+              <a14:hiddenEffects xmlns:a14="http://schemas.microsoft.com/office/drawing/2010/main">
+                <a:effectLst>
+                  <a:outerShdw dist="35921" dir="2700000" algn="ctr" rotWithShape="0">
+                    <a:schemeClr val="bg2"/>
+                  </a:outerShdw>
+                </a:effectLst>
+              </a14:hiddenEffects>
+            </a:ext>
+          </a:extLst>
+        </p:spPr>
+        <p:txBody>
+          <a:bodyPr vert="horz" wrap="none" lIns="91440" tIns="45720" rIns="91440" bIns="45720" numCol="1" anchor="ctr" anchorCtr="0" compatLnSpc="1">
+            <a:prstTxWarp prst="textNoShape">
+              <a:avLst/>
+            </a:prstTxWarp>
+            <a:spAutoFit/>
+          </a:bodyPr>
+          <a:lstStyle/>
+          <a:p>
+            <a:endParaRPr lang="ru-RU"/>
+          </a:p>
+        </p:txBody>
+      </p:sp>
+      <p:sp>
+        <p:nvSpPr>
+          <p:cNvPr id="4" name="Прямоугольник 3"/>
+          <p:cNvSpPr/>
+          <p:nvPr/>
+        </p:nvSpPr>
+        <p:spPr>
+          <a:xfrm>
+            <a:off x="982276" y="527792"/>
+            <a:ext cx="9679632" cy="506292"/>
+          </a:xfrm>
+          <a:prstGeom prst="rect">
+            <a:avLst/>
+          </a:prstGeom>
+        </p:spPr>
+        <p:txBody>
+          <a:bodyPr wrap="square">
+            <a:spAutoFit/>
+          </a:bodyPr>
+          <a:lstStyle/>
+          <a:p>
+            <a:pPr algn="ctr">
+              <a:lnSpc>
+                <a:spcPct val="150000"/>
+              </a:lnSpc>
+            </a:pPr>
+            <a:r>
+              <a:rPr lang="ru-RU" sz="2000" b="1" dirty="0">
+                <a:solidFill>
+                  <a:schemeClr val="tx2"/>
+                </a:solidFill>
+              </a:rPr>
+              <a:t>Страница </a:t>
+            </a:r>
+            <a:r>
+              <a:rPr lang="en-US" sz="2000" b="1" dirty="0" smtClean="0">
+                <a:solidFill>
+                  <a:schemeClr val="tx2"/>
+                </a:solidFill>
+              </a:rPr>
+              <a:t>Storage </a:t>
+            </a:r>
+            <a:r>
+              <a:rPr lang="ru-RU" sz="2000" b="1" dirty="0">
+                <a:solidFill>
+                  <a:schemeClr val="tx2"/>
+                </a:solidFill>
+              </a:rPr>
+              <a:t>содержит в себе функционал работы со </a:t>
+            </a:r>
+            <a:r>
+              <a:rPr lang="ru-RU" sz="2000" b="1" dirty="0" smtClean="0">
+                <a:solidFill>
+                  <a:schemeClr val="tx2"/>
+                </a:solidFill>
+              </a:rPr>
+              <a:t>складом. </a:t>
+            </a:r>
+            <a:endParaRPr lang="ru-RU" sz="2000" b="1" dirty="0">
+              <a:solidFill>
+                <a:schemeClr val="tx2"/>
+              </a:solidFill>
+            </a:endParaRPr>
+          </a:p>
+        </p:txBody>
+      </p:sp>
+      <p:sp>
+        <p:nvSpPr>
+          <p:cNvPr id="12" name="Прямоугольник 11"/>
+          <p:cNvSpPr/>
+          <p:nvPr/>
+        </p:nvSpPr>
+        <p:spPr>
+          <a:xfrm>
+            <a:off x="4439816" y="5549762"/>
+            <a:ext cx="2119298" cy="507831"/>
+          </a:xfrm>
+          <a:prstGeom prst="rect">
+            <a:avLst/>
+          </a:prstGeom>
+        </p:spPr>
+        <p:txBody>
+          <a:bodyPr wrap="none">
+            <a:spAutoFit/>
+          </a:bodyPr>
+          <a:lstStyle/>
+          <a:p>
+            <a:pPr algn="just">
+              <a:lnSpc>
+                <a:spcPct val="150000"/>
+              </a:lnSpc>
+            </a:pPr>
+            <a:r>
+              <a:rPr lang="ru-RU" b="1" dirty="0" smtClean="0">
+                <a:solidFill>
+                  <a:schemeClr val="tx2"/>
+                </a:solidFill>
+              </a:rPr>
+              <a:t>Рисунок </a:t>
+            </a:r>
+            <a:r>
+              <a:rPr lang="en-US" b="1" dirty="0" smtClean="0">
+                <a:solidFill>
+                  <a:schemeClr val="tx2"/>
+                </a:solidFill>
+              </a:rPr>
+              <a:t>6</a:t>
+            </a:r>
+            <a:r>
+              <a:rPr lang="ru-RU" b="1" dirty="0" smtClean="0">
+                <a:solidFill>
+                  <a:schemeClr val="tx2"/>
+                </a:solidFill>
+              </a:rPr>
+              <a:t> </a:t>
+            </a:r>
+            <a:r>
+              <a:rPr lang="ru-RU" b="1" dirty="0" smtClean="0">
+                <a:solidFill>
+                  <a:schemeClr val="tx2"/>
+                </a:solidFill>
+              </a:rPr>
+              <a:t>– </a:t>
+            </a:r>
+            <a:r>
+              <a:rPr lang="en-US" b="1" dirty="0" smtClean="0">
+                <a:solidFill>
+                  <a:schemeClr val="tx2"/>
+                </a:solidFill>
+              </a:rPr>
+              <a:t>Storage</a:t>
+            </a:r>
+            <a:endParaRPr lang="ru-RU" b="1" dirty="0">
+              <a:solidFill>
+                <a:schemeClr val="tx2"/>
+              </a:solidFill>
+            </a:endParaRPr>
+          </a:p>
+        </p:txBody>
+      </p:sp>
+      <p:sp>
+        <p:nvSpPr>
+          <p:cNvPr id="9" name="TextBox 8"/>
+          <p:cNvSpPr txBox="1"/>
+          <p:nvPr/>
+        </p:nvSpPr>
+        <p:spPr>
+          <a:xfrm>
+            <a:off x="5390" y="13122"/>
+            <a:ext cx="1899610" cy="754694"/>
+          </a:xfrm>
+          <a:prstGeom prst="rect">
+            <a:avLst/>
+          </a:prstGeom>
+          <a:noFill/>
+        </p:spPr>
+        <p:txBody>
+          <a:bodyPr wrap="square" rtlCol="0">
+            <a:spAutoFit/>
+          </a:bodyPr>
+          <a:lstStyle/>
+          <a:p>
+            <a:pPr algn="ctr">
+              <a:lnSpc>
+                <a:spcPct val="150000"/>
+              </a:lnSpc>
+            </a:pPr>
+            <a:r>
+              <a:rPr lang="en-US" sz="3200" b="1" dirty="0" smtClean="0">
+                <a:solidFill>
+                  <a:schemeClr val="tx2"/>
+                </a:solidFill>
+              </a:rPr>
+              <a:t>Storage</a:t>
+            </a:r>
+            <a:endParaRPr lang="ru-RU" sz="3200" b="1" dirty="0">
+              <a:solidFill>
+                <a:schemeClr val="tx2"/>
+              </a:solidFill>
+            </a:endParaRPr>
+          </a:p>
+        </p:txBody>
+      </p:sp>
+      <p:pic>
+        <p:nvPicPr>
+          <p:cNvPr id="10" name="Рисунок 9"/>
+          <p:cNvPicPr/>
+          <p:nvPr/>
+        </p:nvPicPr>
+        <p:blipFill>
+          <a:blip r:embed="rId3"/>
+          <a:stretch>
+            <a:fillRect/>
+          </a:stretch>
+        </p:blipFill>
+        <p:spPr>
+          <a:xfrm>
+            <a:off x="1703512" y="1104676"/>
+            <a:ext cx="8498693" cy="4402871"/>
+          </a:xfrm>
+          <a:prstGeom prst="rect">
+            <a:avLst/>
+          </a:prstGeom>
+        </p:spPr>
+      </p:pic>
+    </p:spTree>
+    <p:extLst>
+      <p:ext uri="{BB962C8B-B14F-4D97-AF65-F5344CB8AC3E}">
+        <p14:creationId xmlns:p14="http://schemas.microsoft.com/office/powerpoint/2010/main" val="2166606966"/>
+      </p:ext>
+    </p:extLst>
+  </p:cSld>
+  <p:clrMapOvr>
+    <a:masterClrMapping/>
+  </p:clrMapOvr>
+  <mc:AlternateContent xmlns:mc="http://schemas.openxmlformats.org/markup-compatibility/2006" xmlns:p14="http://schemas.microsoft.com/office/powerpoint/2010/main">
+    <mc:Choice Requires="p14">
+      <p:transition spd="slow" p14:dur="1400">
+        <p14:doors dir="vert"/>
+      </p:transition>
+    </mc:Choice>
+    <mc:Fallback xmlns="">
       <p:transition spd="slow">
         <p:fade/>
       </p:transition>
